--- a/UNV 507/Topic 4/CareerPathPresentation RCoon.pptx
+++ b/UNV 507/Topic 4/CareerPathPresentation RCoon.pptx
@@ -6,17 +6,20 @@
     <p:sldMasterId id="2147483668" r:id="rId2"/>
   </p:sldMasterIdLst>
   <p:notesMasterIdLst>
-    <p:notesMasterId r:id="rId11"/>
+    <p:notesMasterId r:id="rId14"/>
   </p:notesMasterIdLst>
   <p:sldIdLst>
     <p:sldId id="342" r:id="rId3"/>
     <p:sldId id="345" r:id="rId4"/>
-    <p:sldId id="346" r:id="rId5"/>
-    <p:sldId id="347" r:id="rId6"/>
-    <p:sldId id="348" r:id="rId7"/>
-    <p:sldId id="349" r:id="rId8"/>
-    <p:sldId id="350" r:id="rId9"/>
-    <p:sldId id="351" r:id="rId10"/>
+    <p:sldId id="352" r:id="rId5"/>
+    <p:sldId id="353" r:id="rId6"/>
+    <p:sldId id="354" r:id="rId7"/>
+    <p:sldId id="346" r:id="rId8"/>
+    <p:sldId id="347" r:id="rId9"/>
+    <p:sldId id="348" r:id="rId10"/>
+    <p:sldId id="349" r:id="rId11"/>
+    <p:sldId id="351" r:id="rId12"/>
+    <p:sldId id="355" r:id="rId13"/>
   </p:sldIdLst>
   <p:sldSz cx="12192000" cy="6858000"/>
   <p:notesSz cx="6858000" cy="9144000"/>
@@ -205,7 +208,7 @@
           <a:p>
             <a:fld id="{7BF5E78B-FE7C-474B-AC91-ABC1B62969E2}" type="datetimeFigureOut">
               <a:rPr lang="en-US" smtClean="0"/>
-              <a:t>7/15/2024</a:t>
+              <a:t>7/16/2024</a:t>
             </a:fld>
             <a:endParaRPr lang="en-US"/>
           </a:p>
@@ -556,6 +559,174 @@
 </p:notes>
 </file>
 
+<file path=ppt/notesSlides/notesSlide10.xml><?xml version="1.0" encoding="utf-8"?>
+<p:notes xmlns:a="http://schemas.openxmlformats.org/drawingml/2006/main" xmlns:r="http://schemas.openxmlformats.org/officeDocument/2006/relationships" xmlns:p="http://schemas.openxmlformats.org/presentationml/2006/main">
+  <p:cSld>
+    <p:spTree>
+      <p:nvGrpSpPr>
+        <p:cNvPr id="1" name=""/>
+        <p:cNvGrpSpPr/>
+        <p:nvPr/>
+      </p:nvGrpSpPr>
+      <p:grpSpPr>
+        <a:xfrm>
+          <a:off x="0" y="0"/>
+          <a:ext cx="0" cy="0"/>
+          <a:chOff x="0" y="0"/>
+          <a:chExt cx="0" cy="0"/>
+        </a:xfrm>
+      </p:grpSpPr>
+      <p:sp>
+        <p:nvSpPr>
+          <p:cNvPr id="2" name="Slide Image Placeholder 1"/>
+          <p:cNvSpPr>
+            <a:spLocks noGrp="1" noRot="1" noChangeAspect="1"/>
+          </p:cNvSpPr>
+          <p:nvPr>
+            <p:ph type="sldImg"/>
+          </p:nvPr>
+        </p:nvSpPr>
+        <p:spPr/>
+      </p:sp>
+      <p:sp>
+        <p:nvSpPr>
+          <p:cNvPr id="3" name="Notes Placeholder 2"/>
+          <p:cNvSpPr>
+            <a:spLocks noGrp="1"/>
+          </p:cNvSpPr>
+          <p:nvPr>
+            <p:ph type="body" idx="1"/>
+          </p:nvPr>
+        </p:nvSpPr>
+        <p:spPr/>
+        <p:txBody>
+          <a:bodyPr/>
+          <a:lstStyle/>
+          <a:p>
+            <a:endParaRPr lang="en-US" dirty="0"/>
+          </a:p>
+        </p:txBody>
+      </p:sp>
+      <p:sp>
+        <p:nvSpPr>
+          <p:cNvPr id="4" name="Slide Number Placeholder 3"/>
+          <p:cNvSpPr>
+            <a:spLocks noGrp="1"/>
+          </p:cNvSpPr>
+          <p:nvPr>
+            <p:ph type="sldNum" sz="quarter" idx="5"/>
+          </p:nvPr>
+        </p:nvSpPr>
+        <p:spPr/>
+        <p:txBody>
+          <a:bodyPr/>
+          <a:lstStyle/>
+          <a:p>
+            <a:fld id="{0A50B4EB-D9F6-4F2F-973A-15D71B3F5057}" type="slidenum">
+              <a:rPr lang="en-US" smtClean="0"/>
+              <a:t>10</a:t>
+            </a:fld>
+            <a:endParaRPr lang="en-US"/>
+          </a:p>
+        </p:txBody>
+      </p:sp>
+    </p:spTree>
+    <p:extLst>
+      <p:ext uri="{BB962C8B-B14F-4D97-AF65-F5344CB8AC3E}">
+        <p14:creationId xmlns:p14="http://schemas.microsoft.com/office/powerpoint/2010/main" val="3076396940"/>
+      </p:ext>
+    </p:extLst>
+  </p:cSld>
+  <p:clrMapOvr>
+    <a:masterClrMapping/>
+  </p:clrMapOvr>
+</p:notes>
+</file>
+
+<file path=ppt/notesSlides/notesSlide11.xml><?xml version="1.0" encoding="utf-8"?>
+<p:notes xmlns:a="http://schemas.openxmlformats.org/drawingml/2006/main" xmlns:r="http://schemas.openxmlformats.org/officeDocument/2006/relationships" xmlns:p="http://schemas.openxmlformats.org/presentationml/2006/main">
+  <p:cSld>
+    <p:spTree>
+      <p:nvGrpSpPr>
+        <p:cNvPr id="1" name=""/>
+        <p:cNvGrpSpPr/>
+        <p:nvPr/>
+      </p:nvGrpSpPr>
+      <p:grpSpPr>
+        <a:xfrm>
+          <a:off x="0" y="0"/>
+          <a:ext cx="0" cy="0"/>
+          <a:chOff x="0" y="0"/>
+          <a:chExt cx="0" cy="0"/>
+        </a:xfrm>
+      </p:grpSpPr>
+      <p:sp>
+        <p:nvSpPr>
+          <p:cNvPr id="2" name="Slide Image Placeholder 1"/>
+          <p:cNvSpPr>
+            <a:spLocks noGrp="1" noRot="1" noChangeAspect="1"/>
+          </p:cNvSpPr>
+          <p:nvPr>
+            <p:ph type="sldImg"/>
+          </p:nvPr>
+        </p:nvSpPr>
+        <p:spPr/>
+      </p:sp>
+      <p:sp>
+        <p:nvSpPr>
+          <p:cNvPr id="3" name="Notes Placeholder 2"/>
+          <p:cNvSpPr>
+            <a:spLocks noGrp="1"/>
+          </p:cNvSpPr>
+          <p:nvPr>
+            <p:ph type="body" idx="1"/>
+          </p:nvPr>
+        </p:nvSpPr>
+        <p:spPr/>
+        <p:txBody>
+          <a:bodyPr/>
+          <a:lstStyle/>
+          <a:p>
+            <a:endParaRPr lang="en-US" dirty="0"/>
+          </a:p>
+        </p:txBody>
+      </p:sp>
+      <p:sp>
+        <p:nvSpPr>
+          <p:cNvPr id="4" name="Slide Number Placeholder 3"/>
+          <p:cNvSpPr>
+            <a:spLocks noGrp="1"/>
+          </p:cNvSpPr>
+          <p:nvPr>
+            <p:ph type="sldNum" sz="quarter" idx="5"/>
+          </p:nvPr>
+        </p:nvSpPr>
+        <p:spPr/>
+        <p:txBody>
+          <a:bodyPr/>
+          <a:lstStyle/>
+          <a:p>
+            <a:fld id="{0A50B4EB-D9F6-4F2F-973A-15D71B3F5057}" type="slidenum">
+              <a:rPr lang="en-US" smtClean="0"/>
+              <a:t>11</a:t>
+            </a:fld>
+            <a:endParaRPr lang="en-US"/>
+          </a:p>
+        </p:txBody>
+      </p:sp>
+    </p:spTree>
+    <p:extLst>
+      <p:ext uri="{BB962C8B-B14F-4D97-AF65-F5344CB8AC3E}">
+        <p14:creationId xmlns:p14="http://schemas.microsoft.com/office/powerpoint/2010/main" val="1064746634"/>
+      </p:ext>
+    </p:extLst>
+  </p:cSld>
+  <p:clrMapOvr>
+    <a:masterClrMapping/>
+  </p:clrMapOvr>
+</p:notes>
+</file>
+
 <file path=ppt/notesSlides/notesSlide2.xml><?xml version="1.0" encoding="utf-8"?>
 <p:notes xmlns:a="http://schemas.openxmlformats.org/drawingml/2006/main" xmlns:r="http://schemas.openxmlformats.org/officeDocument/2006/relationships" xmlns:p="http://schemas.openxmlformats.org/presentationml/2006/main">
   <p:cSld>
@@ -714,7 +885,7 @@
     </p:spTree>
     <p:extLst>
       <p:ext uri="{BB962C8B-B14F-4D97-AF65-F5344CB8AC3E}">
-        <p14:creationId xmlns:p14="http://schemas.microsoft.com/office/powerpoint/2010/main" val="3667314222"/>
+        <p14:creationId xmlns:p14="http://schemas.microsoft.com/office/powerpoint/2010/main" val="3221382293"/>
       </p:ext>
     </p:extLst>
   </p:cSld>
@@ -798,7 +969,7 @@
     </p:spTree>
     <p:extLst>
       <p:ext uri="{BB962C8B-B14F-4D97-AF65-F5344CB8AC3E}">
-        <p14:creationId xmlns:p14="http://schemas.microsoft.com/office/powerpoint/2010/main" val="117302950"/>
+        <p14:creationId xmlns:p14="http://schemas.microsoft.com/office/powerpoint/2010/main" val="2248685860"/>
       </p:ext>
     </p:extLst>
   </p:cSld>
@@ -882,7 +1053,7 @@
     </p:spTree>
     <p:extLst>
       <p:ext uri="{BB962C8B-B14F-4D97-AF65-F5344CB8AC3E}">
-        <p14:creationId xmlns:p14="http://schemas.microsoft.com/office/powerpoint/2010/main" val="3087848133"/>
+        <p14:creationId xmlns:p14="http://schemas.microsoft.com/office/powerpoint/2010/main" val="186407347"/>
       </p:ext>
     </p:extLst>
   </p:cSld>
@@ -966,7 +1137,7 @@
     </p:spTree>
     <p:extLst>
       <p:ext uri="{BB962C8B-B14F-4D97-AF65-F5344CB8AC3E}">
-        <p14:creationId xmlns:p14="http://schemas.microsoft.com/office/powerpoint/2010/main" val="3627827126"/>
+        <p14:creationId xmlns:p14="http://schemas.microsoft.com/office/powerpoint/2010/main" val="3667314222"/>
       </p:ext>
     </p:extLst>
   </p:cSld>
@@ -1050,7 +1221,7 @@
     </p:spTree>
     <p:extLst>
       <p:ext uri="{BB962C8B-B14F-4D97-AF65-F5344CB8AC3E}">
-        <p14:creationId xmlns:p14="http://schemas.microsoft.com/office/powerpoint/2010/main" val="2659418770"/>
+        <p14:creationId xmlns:p14="http://schemas.microsoft.com/office/powerpoint/2010/main" val="117302950"/>
       </p:ext>
     </p:extLst>
   </p:cSld>
@@ -1134,7 +1305,91 @@
     </p:spTree>
     <p:extLst>
       <p:ext uri="{BB962C8B-B14F-4D97-AF65-F5344CB8AC3E}">
-        <p14:creationId xmlns:p14="http://schemas.microsoft.com/office/powerpoint/2010/main" val="3076396940"/>
+        <p14:creationId xmlns:p14="http://schemas.microsoft.com/office/powerpoint/2010/main" val="3087848133"/>
+      </p:ext>
+    </p:extLst>
+  </p:cSld>
+  <p:clrMapOvr>
+    <a:masterClrMapping/>
+  </p:clrMapOvr>
+</p:notes>
+</file>
+
+<file path=ppt/notesSlides/notesSlide9.xml><?xml version="1.0" encoding="utf-8"?>
+<p:notes xmlns:a="http://schemas.openxmlformats.org/drawingml/2006/main" xmlns:r="http://schemas.openxmlformats.org/officeDocument/2006/relationships" xmlns:p="http://schemas.openxmlformats.org/presentationml/2006/main">
+  <p:cSld>
+    <p:spTree>
+      <p:nvGrpSpPr>
+        <p:cNvPr id="1" name=""/>
+        <p:cNvGrpSpPr/>
+        <p:nvPr/>
+      </p:nvGrpSpPr>
+      <p:grpSpPr>
+        <a:xfrm>
+          <a:off x="0" y="0"/>
+          <a:ext cx="0" cy="0"/>
+          <a:chOff x="0" y="0"/>
+          <a:chExt cx="0" cy="0"/>
+        </a:xfrm>
+      </p:grpSpPr>
+      <p:sp>
+        <p:nvSpPr>
+          <p:cNvPr id="2" name="Slide Image Placeholder 1"/>
+          <p:cNvSpPr>
+            <a:spLocks noGrp="1" noRot="1" noChangeAspect="1"/>
+          </p:cNvSpPr>
+          <p:nvPr>
+            <p:ph type="sldImg"/>
+          </p:nvPr>
+        </p:nvSpPr>
+        <p:spPr/>
+      </p:sp>
+      <p:sp>
+        <p:nvSpPr>
+          <p:cNvPr id="3" name="Notes Placeholder 2"/>
+          <p:cNvSpPr>
+            <a:spLocks noGrp="1"/>
+          </p:cNvSpPr>
+          <p:nvPr>
+            <p:ph type="body" idx="1"/>
+          </p:nvPr>
+        </p:nvSpPr>
+        <p:spPr/>
+        <p:txBody>
+          <a:bodyPr/>
+          <a:lstStyle/>
+          <a:p>
+            <a:endParaRPr lang="en-US" dirty="0"/>
+          </a:p>
+        </p:txBody>
+      </p:sp>
+      <p:sp>
+        <p:nvSpPr>
+          <p:cNvPr id="4" name="Slide Number Placeholder 3"/>
+          <p:cNvSpPr>
+            <a:spLocks noGrp="1"/>
+          </p:cNvSpPr>
+          <p:nvPr>
+            <p:ph type="sldNum" sz="quarter" idx="5"/>
+          </p:nvPr>
+        </p:nvSpPr>
+        <p:spPr/>
+        <p:txBody>
+          <a:bodyPr/>
+          <a:lstStyle/>
+          <a:p>
+            <a:fld id="{0A50B4EB-D9F6-4F2F-973A-15D71B3F5057}" type="slidenum">
+              <a:rPr lang="en-US" smtClean="0"/>
+              <a:t>9</a:t>
+            </a:fld>
+            <a:endParaRPr lang="en-US"/>
+          </a:p>
+        </p:txBody>
+      </p:sp>
+    </p:spTree>
+    <p:extLst>
+      <p:ext uri="{BB962C8B-B14F-4D97-AF65-F5344CB8AC3E}">
+        <p14:creationId xmlns:p14="http://schemas.microsoft.com/office/powerpoint/2010/main" val="3627827126"/>
       </p:ext>
     </p:extLst>
   </p:cSld>
@@ -18203,6 +18458,721 @@
 </p:sld>
 </file>
 
+<file path=ppt/slides/slide10.xml><?xml version="1.0" encoding="utf-8"?>
+<p:sld xmlns:a="http://schemas.openxmlformats.org/drawingml/2006/main" xmlns:r="http://schemas.openxmlformats.org/officeDocument/2006/relationships" xmlns:p="http://schemas.openxmlformats.org/presentationml/2006/main">
+  <p:cSld>
+    <p:spTree>
+      <p:nvGrpSpPr>
+        <p:cNvPr id="1" name=""/>
+        <p:cNvGrpSpPr/>
+        <p:nvPr/>
+      </p:nvGrpSpPr>
+      <p:grpSpPr>
+        <a:xfrm>
+          <a:off x="0" y="0"/>
+          <a:ext cx="0" cy="0"/>
+          <a:chOff x="0" y="0"/>
+          <a:chExt cx="0" cy="0"/>
+        </a:xfrm>
+      </p:grpSpPr>
+      <p:sp>
+        <p:nvSpPr>
+          <p:cNvPr id="4" name="Title 3">
+            <a:extLst>
+              <a:ext uri="{FF2B5EF4-FFF2-40B4-BE49-F238E27FC236}">
+                <a16:creationId xmlns:a16="http://schemas.microsoft.com/office/drawing/2014/main" id="{4349B84D-A234-4296-B4C9-92A57C6D1AFC}"/>
+              </a:ext>
+            </a:extLst>
+          </p:cNvPr>
+          <p:cNvSpPr>
+            <a:spLocks noGrp="1"/>
+          </p:cNvSpPr>
+          <p:nvPr>
+            <p:ph type="title"/>
+          </p:nvPr>
+        </p:nvSpPr>
+        <p:spPr/>
+        <p:txBody>
+          <a:bodyPr/>
+          <a:lstStyle/>
+          <a:p>
+            <a:r>
+              <a:rPr lang="en-US" dirty="0"/>
+              <a:t>Networking/Mentoring</a:t>
+            </a:r>
+          </a:p>
+        </p:txBody>
+      </p:sp>
+      <p:sp>
+        <p:nvSpPr>
+          <p:cNvPr id="5" name="Content Placeholder 4">
+            <a:extLst>
+              <a:ext uri="{FF2B5EF4-FFF2-40B4-BE49-F238E27FC236}">
+                <a16:creationId xmlns:a16="http://schemas.microsoft.com/office/drawing/2014/main" id="{BE780FC3-EBC9-4538-91F6-C3852A655574}"/>
+              </a:ext>
+            </a:extLst>
+          </p:cNvPr>
+          <p:cNvSpPr>
+            <a:spLocks noGrp="1"/>
+          </p:cNvSpPr>
+          <p:nvPr>
+            <p:ph idx="1"/>
+          </p:nvPr>
+        </p:nvSpPr>
+        <p:spPr/>
+        <p:txBody>
+          <a:bodyPr>
+            <a:normAutofit/>
+          </a:bodyPr>
+          <a:lstStyle/>
+          <a:p>
+            <a:pPr marL="0" indent="0" algn="l">
+              <a:buNone/>
+            </a:pPr>
+            <a:r>
+              <a:rPr lang="en-US" dirty="0"/>
+              <a:t>With most computer/tech related careers moving to remote, networking is a must. With this, we must take part in exchanging ideas, information, and knowledge. Even through our classes at GCU networking and mentoring is a great way to learn and grow from one another, while expanding our network of contacts. Networking can occur anywhere at anytime, there are no financial burdens outright.</a:t>
+            </a:r>
+          </a:p>
+        </p:txBody>
+      </p:sp>
+      <p:sp>
+        <p:nvSpPr>
+          <p:cNvPr id="8" name="Slide Number Placeholder 7">
+            <a:extLst>
+              <a:ext uri="{FF2B5EF4-FFF2-40B4-BE49-F238E27FC236}">
+                <a16:creationId xmlns:a16="http://schemas.microsoft.com/office/drawing/2014/main" id="{8E294D89-4B92-4C25-93C3-28017F1DCBE7}"/>
+              </a:ext>
+            </a:extLst>
+          </p:cNvPr>
+          <p:cNvSpPr>
+            <a:spLocks noGrp="1"/>
+          </p:cNvSpPr>
+          <p:nvPr>
+            <p:ph type="sldNum" sz="quarter" idx="12"/>
+          </p:nvPr>
+        </p:nvSpPr>
+        <p:spPr/>
+        <p:txBody>
+          <a:bodyPr/>
+          <a:lstStyle/>
+          <a:p>
+            <a:fld id="{672B7600-67E3-4D97-B453-880E2742B982}" type="slidenum">
+              <a:rPr lang="en-US" smtClean="0"/>
+              <a:t>10</a:t>
+            </a:fld>
+            <a:endParaRPr lang="en-US"/>
+          </a:p>
+        </p:txBody>
+      </p:sp>
+    </p:spTree>
+    <p:extLst>
+      <p:ext uri="{BB962C8B-B14F-4D97-AF65-F5344CB8AC3E}">
+        <p14:creationId xmlns:p14="http://schemas.microsoft.com/office/powerpoint/2010/main" val="2590065482"/>
+      </p:ext>
+    </p:extLst>
+  </p:cSld>
+  <p:clrMapOvr>
+    <a:masterClrMapping/>
+  </p:clrMapOvr>
+</p:sld>
+</file>
+
+<file path=ppt/slides/slide11.xml><?xml version="1.0" encoding="utf-8"?>
+<p:sld xmlns:a="http://schemas.openxmlformats.org/drawingml/2006/main" xmlns:r="http://schemas.openxmlformats.org/officeDocument/2006/relationships" xmlns:p="http://schemas.openxmlformats.org/presentationml/2006/main">
+  <p:cSld>
+    <p:spTree>
+      <p:nvGrpSpPr>
+        <p:cNvPr id="1" name=""/>
+        <p:cNvGrpSpPr/>
+        <p:nvPr/>
+      </p:nvGrpSpPr>
+      <p:grpSpPr>
+        <a:xfrm>
+          <a:off x="0" y="0"/>
+          <a:ext cx="0" cy="0"/>
+          <a:chOff x="0" y="0"/>
+          <a:chExt cx="0" cy="0"/>
+        </a:xfrm>
+      </p:grpSpPr>
+      <p:sp>
+        <p:nvSpPr>
+          <p:cNvPr id="4" name="Title 3">
+            <a:extLst>
+              <a:ext uri="{FF2B5EF4-FFF2-40B4-BE49-F238E27FC236}">
+                <a16:creationId xmlns:a16="http://schemas.microsoft.com/office/drawing/2014/main" id="{4349B84D-A234-4296-B4C9-92A57C6D1AFC}"/>
+              </a:ext>
+            </a:extLst>
+          </p:cNvPr>
+          <p:cNvSpPr>
+            <a:spLocks noGrp="1"/>
+          </p:cNvSpPr>
+          <p:nvPr>
+            <p:ph type="title"/>
+          </p:nvPr>
+        </p:nvSpPr>
+        <p:spPr/>
+        <p:txBody>
+          <a:bodyPr/>
+          <a:lstStyle/>
+          <a:p>
+            <a:r>
+              <a:rPr lang="en-US" dirty="0"/>
+              <a:t>References</a:t>
+            </a:r>
+          </a:p>
+        </p:txBody>
+      </p:sp>
+      <p:sp>
+        <p:nvSpPr>
+          <p:cNvPr id="8" name="Slide Number Placeholder 7">
+            <a:extLst>
+              <a:ext uri="{FF2B5EF4-FFF2-40B4-BE49-F238E27FC236}">
+                <a16:creationId xmlns:a16="http://schemas.microsoft.com/office/drawing/2014/main" id="{8E294D89-4B92-4C25-93C3-28017F1DCBE7}"/>
+              </a:ext>
+            </a:extLst>
+          </p:cNvPr>
+          <p:cNvSpPr>
+            <a:spLocks noGrp="1"/>
+          </p:cNvSpPr>
+          <p:nvPr>
+            <p:ph type="sldNum" sz="quarter" idx="12"/>
+          </p:nvPr>
+        </p:nvSpPr>
+        <p:spPr/>
+        <p:txBody>
+          <a:bodyPr/>
+          <a:lstStyle/>
+          <a:p>
+            <a:fld id="{672B7600-67E3-4D97-B453-880E2742B982}" type="slidenum">
+              <a:rPr lang="en-US" smtClean="0"/>
+              <a:t>11</a:t>
+            </a:fld>
+            <a:endParaRPr lang="en-US"/>
+          </a:p>
+        </p:txBody>
+      </p:sp>
+      <p:sp>
+        <p:nvSpPr>
+          <p:cNvPr id="3" name="Content Placeholder 2">
+            <a:extLst>
+              <a:ext uri="{FF2B5EF4-FFF2-40B4-BE49-F238E27FC236}">
+                <a16:creationId xmlns:a16="http://schemas.microsoft.com/office/drawing/2014/main" id="{ED778629-78EE-D52D-D79C-B11BBEE73859}"/>
+              </a:ext>
+            </a:extLst>
+          </p:cNvPr>
+          <p:cNvSpPr>
+            <a:spLocks noGrp="1" noChangeArrowheads="1"/>
+          </p:cNvSpPr>
+          <p:nvPr>
+            <p:ph idx="1"/>
+          </p:nvPr>
+        </p:nvSpPr>
+        <p:spPr bwMode="auto">
+          <a:xfrm>
+            <a:off x="838200" y="2249648"/>
+            <a:ext cx="10255676" cy="2215991"/>
+          </a:xfrm>
+          <a:prstGeom prst="rect">
+            <a:avLst/>
+          </a:prstGeom>
+          <a:noFill/>
+          <a:ln>
+            <a:noFill/>
+          </a:ln>
+          <a:effectLst/>
+          <a:extLst>
+            <a:ext uri="{909E8E84-426E-40DD-AFC4-6F175D3DCCD1}">
+              <a14:hiddenFill xmlns:a14="http://schemas.microsoft.com/office/drawing/2010/main">
+                <a:solidFill>
+                  <a:schemeClr val="accent1"/>
+                </a:solidFill>
+              </a14:hiddenFill>
+            </a:ext>
+            <a:ext uri="{91240B29-F687-4F45-9708-019B960494DF}">
+              <a14:hiddenLine xmlns:a14="http://schemas.microsoft.com/office/drawing/2010/main" w="9525">
+                <a:solidFill>
+                  <a:schemeClr val="tx1"/>
+                </a:solidFill>
+                <a:miter lim="800000"/>
+                <a:headEnd/>
+                <a:tailEnd/>
+              </a14:hiddenLine>
+            </a:ext>
+            <a:ext uri="{AF507438-7753-43E0-B8FC-AC1667EBCBE1}">
+              <a14:hiddenEffects xmlns:a14="http://schemas.microsoft.com/office/drawing/2010/main">
+                <a:effectLst>
+                  <a:outerShdw dist="35921" dir="2700000" algn="ctr" rotWithShape="0">
+                    <a:schemeClr val="bg2"/>
+                  </a:outerShdw>
+                </a:effectLst>
+              </a14:hiddenEffects>
+            </a:ext>
+          </a:extLst>
+        </p:spPr>
+        <p:txBody>
+          <a:bodyPr vert="horz" wrap="square" lIns="-457056" tIns="0" rIns="91440" bIns="0" numCol="1" anchor="ctr" anchorCtr="0" compatLnSpc="1">
+            <a:prstTxWarp prst="textNoShape">
+              <a:avLst/>
+            </a:prstTxWarp>
+            <a:spAutoFit/>
+          </a:bodyPr>
+          <a:lstStyle>
+            <a:lvl1pPr eaLnBrk="0" fontAlgn="base" hangingPunct="0">
+              <a:spcBef>
+                <a:spcPct val="0"/>
+              </a:spcBef>
+              <a:spcAft>
+                <a:spcPct val="0"/>
+              </a:spcAft>
+              <a:defRPr>
+                <a:solidFill>
+                  <a:schemeClr val="tx1"/>
+                </a:solidFill>
+                <a:latin typeface="Arial" panose="020B0604020202020204" pitchFamily="34" charset="0"/>
+              </a:defRPr>
+            </a:lvl1pPr>
+            <a:lvl2pPr eaLnBrk="0" fontAlgn="base" hangingPunct="0">
+              <a:spcBef>
+                <a:spcPct val="0"/>
+              </a:spcBef>
+              <a:spcAft>
+                <a:spcPct val="0"/>
+              </a:spcAft>
+              <a:defRPr>
+                <a:solidFill>
+                  <a:schemeClr val="tx1"/>
+                </a:solidFill>
+                <a:latin typeface="Arial" panose="020B0604020202020204" pitchFamily="34" charset="0"/>
+              </a:defRPr>
+            </a:lvl2pPr>
+            <a:lvl3pPr eaLnBrk="0" fontAlgn="base" hangingPunct="0">
+              <a:spcBef>
+                <a:spcPct val="0"/>
+              </a:spcBef>
+              <a:spcAft>
+                <a:spcPct val="0"/>
+              </a:spcAft>
+              <a:defRPr>
+                <a:solidFill>
+                  <a:schemeClr val="tx1"/>
+                </a:solidFill>
+                <a:latin typeface="Arial" panose="020B0604020202020204" pitchFamily="34" charset="0"/>
+              </a:defRPr>
+            </a:lvl3pPr>
+            <a:lvl4pPr eaLnBrk="0" fontAlgn="base" hangingPunct="0">
+              <a:spcBef>
+                <a:spcPct val="0"/>
+              </a:spcBef>
+              <a:spcAft>
+                <a:spcPct val="0"/>
+              </a:spcAft>
+              <a:defRPr>
+                <a:solidFill>
+                  <a:schemeClr val="tx1"/>
+                </a:solidFill>
+                <a:latin typeface="Arial" panose="020B0604020202020204" pitchFamily="34" charset="0"/>
+              </a:defRPr>
+            </a:lvl4pPr>
+            <a:lvl5pPr eaLnBrk="0" fontAlgn="base" hangingPunct="0">
+              <a:spcBef>
+                <a:spcPct val="0"/>
+              </a:spcBef>
+              <a:spcAft>
+                <a:spcPct val="0"/>
+              </a:spcAft>
+              <a:defRPr>
+                <a:solidFill>
+                  <a:schemeClr val="tx1"/>
+                </a:solidFill>
+                <a:latin typeface="Arial" panose="020B0604020202020204" pitchFamily="34" charset="0"/>
+              </a:defRPr>
+            </a:lvl5pPr>
+            <a:lvl6pPr eaLnBrk="0" fontAlgn="base" hangingPunct="0">
+              <a:spcBef>
+                <a:spcPct val="0"/>
+              </a:spcBef>
+              <a:spcAft>
+                <a:spcPct val="0"/>
+              </a:spcAft>
+              <a:defRPr>
+                <a:solidFill>
+                  <a:schemeClr val="tx1"/>
+                </a:solidFill>
+                <a:latin typeface="Arial" panose="020B0604020202020204" pitchFamily="34" charset="0"/>
+              </a:defRPr>
+            </a:lvl6pPr>
+            <a:lvl7pPr eaLnBrk="0" fontAlgn="base" hangingPunct="0">
+              <a:spcBef>
+                <a:spcPct val="0"/>
+              </a:spcBef>
+              <a:spcAft>
+                <a:spcPct val="0"/>
+              </a:spcAft>
+              <a:defRPr>
+                <a:solidFill>
+                  <a:schemeClr val="tx1"/>
+                </a:solidFill>
+                <a:latin typeface="Arial" panose="020B0604020202020204" pitchFamily="34" charset="0"/>
+              </a:defRPr>
+            </a:lvl7pPr>
+            <a:lvl8pPr eaLnBrk="0" fontAlgn="base" hangingPunct="0">
+              <a:spcBef>
+                <a:spcPct val="0"/>
+              </a:spcBef>
+              <a:spcAft>
+                <a:spcPct val="0"/>
+              </a:spcAft>
+              <a:defRPr>
+                <a:solidFill>
+                  <a:schemeClr val="tx1"/>
+                </a:solidFill>
+                <a:latin typeface="Arial" panose="020B0604020202020204" pitchFamily="34" charset="0"/>
+              </a:defRPr>
+            </a:lvl8pPr>
+            <a:lvl9pPr eaLnBrk="0" fontAlgn="base" hangingPunct="0">
+              <a:spcBef>
+                <a:spcPct val="0"/>
+              </a:spcBef>
+              <a:spcAft>
+                <a:spcPct val="0"/>
+              </a:spcAft>
+              <a:defRPr>
+                <a:solidFill>
+                  <a:schemeClr val="tx1"/>
+                </a:solidFill>
+                <a:latin typeface="Arial" panose="020B0604020202020204" pitchFamily="34" charset="0"/>
+              </a:defRPr>
+            </a:lvl9pPr>
+          </a:lstStyle>
+          <a:p>
+            <a:pPr marL="0" marR="0" lvl="0" indent="0" algn="l" defTabSz="914400" rtl="0" eaLnBrk="0" fontAlgn="base" latinLnBrk="0" hangingPunct="0">
+              <a:lnSpc>
+                <a:spcPct val="100000"/>
+              </a:lnSpc>
+              <a:spcBef>
+                <a:spcPct val="0"/>
+              </a:spcBef>
+              <a:spcAft>
+                <a:spcPct val="0"/>
+              </a:spcAft>
+              <a:buClrTx/>
+              <a:buSzTx/>
+              <a:buFontTx/>
+              <a:buNone/>
+              <a:tabLst/>
+            </a:pPr>
+            <a:r>
+              <a:rPr lang="en-US" altLang="en-US" sz="1200" dirty="0">
+                <a:solidFill>
+                  <a:schemeClr val="bg1"/>
+                </a:solidFill>
+              </a:rPr>
+              <a:t>About the IEEE Computer Society. (n.d.). IEEE Computer Society. https://www.computer.org/about?source=nav</a:t>
+            </a:r>
+          </a:p>
+          <a:p>
+            <a:pPr marL="0" marR="0" lvl="0" indent="0" algn="l" defTabSz="914400" rtl="0" eaLnBrk="0" fontAlgn="base" latinLnBrk="0" hangingPunct="0">
+              <a:lnSpc>
+                <a:spcPct val="100000"/>
+              </a:lnSpc>
+              <a:spcBef>
+                <a:spcPct val="0"/>
+              </a:spcBef>
+              <a:spcAft>
+                <a:spcPct val="0"/>
+              </a:spcAft>
+              <a:buClrTx/>
+              <a:buSzTx/>
+              <a:buFontTx/>
+              <a:buNone/>
+              <a:tabLst/>
+            </a:pPr>
+            <a:endParaRPr lang="en-US" altLang="en-US" sz="1200" dirty="0">
+              <a:solidFill>
+                <a:schemeClr val="bg1"/>
+              </a:solidFill>
+            </a:endParaRPr>
+          </a:p>
+          <a:p>
+            <a:pPr marL="0" marR="0" lvl="0" indent="0" algn="l" defTabSz="914400" rtl="0" eaLnBrk="0" fontAlgn="base" latinLnBrk="0" hangingPunct="0">
+              <a:lnSpc>
+                <a:spcPct val="100000"/>
+              </a:lnSpc>
+              <a:spcBef>
+                <a:spcPct val="0"/>
+              </a:spcBef>
+              <a:spcAft>
+                <a:spcPct val="0"/>
+              </a:spcAft>
+              <a:buClrTx/>
+              <a:buSzTx/>
+              <a:buFontTx/>
+              <a:buNone/>
+              <a:tabLst/>
+            </a:pPr>
+            <a:r>
+              <a:rPr lang="en-US" altLang="en-US" sz="1200" dirty="0">
+                <a:solidFill>
+                  <a:schemeClr val="bg1"/>
+                </a:solidFill>
+              </a:rPr>
+              <a:t>Developing &amp; Connecting Cyber Security Professionals Globally. (n.d.). ISSA International.</a:t>
+            </a:r>
+          </a:p>
+          <a:p>
+            <a:pPr marL="0" marR="0" lvl="0" indent="0" algn="l" defTabSz="914400" rtl="0" eaLnBrk="0" fontAlgn="base" latinLnBrk="0" hangingPunct="0">
+              <a:lnSpc>
+                <a:spcPct val="100000"/>
+              </a:lnSpc>
+              <a:spcBef>
+                <a:spcPct val="0"/>
+              </a:spcBef>
+              <a:spcAft>
+                <a:spcPct val="0"/>
+              </a:spcAft>
+              <a:buClrTx/>
+              <a:buSzTx/>
+              <a:buFontTx/>
+              <a:buNone/>
+              <a:tabLst/>
+            </a:pPr>
+            <a:r>
+              <a:rPr lang="en-US" altLang="en-US" sz="1200" dirty="0">
+                <a:solidFill>
+                  <a:schemeClr val="bg1"/>
+                </a:solidFill>
+              </a:rPr>
+              <a:t>       https://www.issa.org/membership/developing-connecting-cyber-security-professionals-globally/</a:t>
+            </a:r>
+          </a:p>
+          <a:p>
+            <a:pPr marL="0" marR="0" lvl="0" indent="0" algn="l" defTabSz="914400" rtl="0" eaLnBrk="0" fontAlgn="base" latinLnBrk="0" hangingPunct="0">
+              <a:lnSpc>
+                <a:spcPct val="100000"/>
+              </a:lnSpc>
+              <a:spcBef>
+                <a:spcPct val="0"/>
+              </a:spcBef>
+              <a:spcAft>
+                <a:spcPct val="0"/>
+              </a:spcAft>
+              <a:buClrTx/>
+              <a:buSzTx/>
+              <a:buFontTx/>
+              <a:buNone/>
+              <a:tabLst/>
+            </a:pPr>
+            <a:endParaRPr lang="en-US" altLang="en-US" sz="1200" dirty="0">
+              <a:solidFill>
+                <a:schemeClr val="bg1"/>
+              </a:solidFill>
+            </a:endParaRPr>
+          </a:p>
+          <a:p>
+            <a:pPr marL="0" marR="0" lvl="0" indent="0" algn="l" defTabSz="914400" rtl="0" eaLnBrk="0" fontAlgn="base" latinLnBrk="0" hangingPunct="0">
+              <a:lnSpc>
+                <a:spcPct val="100000"/>
+              </a:lnSpc>
+              <a:spcBef>
+                <a:spcPct val="0"/>
+              </a:spcBef>
+              <a:spcAft>
+                <a:spcPct val="0"/>
+              </a:spcAft>
+              <a:buClrTx/>
+              <a:buSzTx/>
+              <a:buFontTx/>
+              <a:buNone/>
+              <a:tabLst/>
+            </a:pPr>
+            <a:r>
+              <a:rPr lang="en-US" altLang="en-US" sz="1200" dirty="0">
+                <a:solidFill>
+                  <a:schemeClr val="bg1"/>
+                </a:solidFill>
+              </a:rPr>
+              <a:t>Home. (n.d.). National Cybersecurity Student Association. https://www.cyberstudents.org/</a:t>
+            </a:r>
+          </a:p>
+          <a:p>
+            <a:pPr marL="0" marR="0" lvl="0" indent="0" algn="l" defTabSz="914400" rtl="0" eaLnBrk="0" fontAlgn="base" latinLnBrk="0" hangingPunct="0">
+              <a:lnSpc>
+                <a:spcPct val="100000"/>
+              </a:lnSpc>
+              <a:spcBef>
+                <a:spcPct val="0"/>
+              </a:spcBef>
+              <a:spcAft>
+                <a:spcPct val="0"/>
+              </a:spcAft>
+              <a:buClrTx/>
+              <a:buSzTx/>
+              <a:buFontTx/>
+              <a:buNone/>
+              <a:tabLst/>
+            </a:pPr>
+            <a:endParaRPr lang="en-US" altLang="en-US" sz="1200" dirty="0">
+              <a:solidFill>
+                <a:schemeClr val="bg1"/>
+              </a:solidFill>
+            </a:endParaRPr>
+          </a:p>
+          <a:p>
+            <a:pPr marL="0" marR="0" lvl="0" indent="0" algn="l" defTabSz="914400" rtl="0" eaLnBrk="0" fontAlgn="base" latinLnBrk="0" hangingPunct="0">
+              <a:lnSpc>
+                <a:spcPct val="100000"/>
+              </a:lnSpc>
+              <a:spcBef>
+                <a:spcPct val="0"/>
+              </a:spcBef>
+              <a:spcAft>
+                <a:spcPct val="0"/>
+              </a:spcAft>
+              <a:buClrTx/>
+              <a:buSzTx/>
+              <a:buFontTx/>
+              <a:buNone/>
+              <a:tabLst/>
+            </a:pPr>
+            <a:r>
+              <a:rPr lang="en-US" altLang="en-US" sz="1200" dirty="0">
+                <a:solidFill>
+                  <a:schemeClr val="bg1"/>
+                </a:solidFill>
+              </a:rPr>
+              <a:t>Master of Science in Cybersecurity. (n.d.). GCU. https://www.gcu.edu/degree-programs/master-science-cybersecurity</a:t>
+            </a:r>
+          </a:p>
+          <a:p>
+            <a:pPr marL="0" marR="0" lvl="0" indent="0" algn="l" defTabSz="914400" rtl="0" eaLnBrk="0" fontAlgn="base" latinLnBrk="0" hangingPunct="0">
+              <a:lnSpc>
+                <a:spcPct val="100000"/>
+              </a:lnSpc>
+              <a:spcBef>
+                <a:spcPct val="0"/>
+              </a:spcBef>
+              <a:spcAft>
+                <a:spcPct val="0"/>
+              </a:spcAft>
+              <a:buClrTx/>
+              <a:buSzTx/>
+              <a:buFontTx/>
+              <a:buNone/>
+              <a:tabLst/>
+            </a:pPr>
+            <a:endParaRPr lang="en-US" altLang="en-US" sz="1200" dirty="0">
+              <a:solidFill>
+                <a:schemeClr val="bg1"/>
+              </a:solidFill>
+            </a:endParaRPr>
+          </a:p>
+          <a:p>
+            <a:pPr marL="0" marR="0" lvl="0" indent="0" algn="l" defTabSz="914400" rtl="0" eaLnBrk="0" fontAlgn="base" latinLnBrk="0" hangingPunct="0">
+              <a:lnSpc>
+                <a:spcPct val="100000"/>
+              </a:lnSpc>
+              <a:spcBef>
+                <a:spcPct val="0"/>
+              </a:spcBef>
+              <a:spcAft>
+                <a:spcPct val="0"/>
+              </a:spcAft>
+              <a:buClrTx/>
+              <a:buSzTx/>
+              <a:buFontTx/>
+              <a:buNone/>
+              <a:tabLst/>
+            </a:pPr>
+            <a:r>
+              <a:rPr lang="en-US" altLang="en-US" sz="1200" dirty="0">
+                <a:solidFill>
+                  <a:schemeClr val="bg1"/>
+                </a:solidFill>
+              </a:rPr>
+              <a:t>Principal Systems Security Engineer - Cyber Lead P4 at Raytheon. (n.d.). </a:t>
+            </a:r>
+            <a:r>
+              <a:rPr lang="en-US" altLang="en-US" sz="1200" dirty="0" err="1">
+                <a:solidFill>
+                  <a:schemeClr val="bg1"/>
+                </a:solidFill>
+              </a:rPr>
+              <a:t>JoPilot</a:t>
+            </a:r>
+            <a:r>
+              <a:rPr lang="en-US" altLang="en-US" sz="1200" dirty="0">
+                <a:solidFill>
+                  <a:schemeClr val="bg1"/>
+                </a:solidFill>
+              </a:rPr>
+              <a:t>. Retrieved July 17, 2024, from</a:t>
+            </a:r>
+          </a:p>
+          <a:p>
+            <a:pPr marL="0" marR="0" lvl="0" indent="0" algn="l" defTabSz="914400" rtl="0" eaLnBrk="0" fontAlgn="base" latinLnBrk="0" hangingPunct="0">
+              <a:lnSpc>
+                <a:spcPct val="100000"/>
+              </a:lnSpc>
+              <a:spcBef>
+                <a:spcPct val="0"/>
+              </a:spcBef>
+              <a:spcAft>
+                <a:spcPct val="0"/>
+              </a:spcAft>
+              <a:buClrTx/>
+              <a:buSzTx/>
+              <a:buFontTx/>
+              <a:buNone/>
+              <a:tabLst/>
+            </a:pPr>
+            <a:r>
+              <a:rPr lang="en-US" altLang="en-US" sz="1200" dirty="0">
+                <a:solidFill>
+                  <a:schemeClr val="bg1"/>
+                </a:solidFill>
+              </a:rPr>
+              <a:t>       https://jobs.jopilot.net/job/i38ha5ABNDRfCFvuJpuk0624?utm_campaign=google_jobs_apply&amp;utm_source=google_jobs_apply&amp;utm_medium=organic</a:t>
+            </a:r>
+          </a:p>
+          <a:p>
+            <a:pPr marL="0" marR="0" lvl="0" indent="0" algn="l" defTabSz="914400" rtl="0" eaLnBrk="0" fontAlgn="base" latinLnBrk="0" hangingPunct="0">
+              <a:lnSpc>
+                <a:spcPct val="100000"/>
+              </a:lnSpc>
+              <a:spcBef>
+                <a:spcPct val="0"/>
+              </a:spcBef>
+              <a:spcAft>
+                <a:spcPct val="0"/>
+              </a:spcAft>
+              <a:buClrTx/>
+              <a:buSzTx/>
+              <a:buFontTx/>
+              <a:buNone/>
+              <a:tabLst/>
+            </a:pPr>
+            <a:endParaRPr lang="en-US" altLang="en-US" sz="1200" dirty="0">
+              <a:solidFill>
+                <a:schemeClr val="bg1"/>
+              </a:solidFill>
+            </a:endParaRPr>
+          </a:p>
+        </p:txBody>
+      </p:sp>
+    </p:spTree>
+    <p:extLst>
+      <p:ext uri="{BB962C8B-B14F-4D97-AF65-F5344CB8AC3E}">
+        <p14:creationId xmlns:p14="http://schemas.microsoft.com/office/powerpoint/2010/main" val="3433200859"/>
+      </p:ext>
+    </p:extLst>
+  </p:cSld>
+  <p:clrMapOvr>
+    <a:masterClrMapping/>
+  </p:clrMapOvr>
+</p:sld>
+</file>
+
 <file path=ppt/slides/slide2.xml><?xml version="1.0" encoding="utf-8"?>
 <p:sld xmlns:a="http://schemas.openxmlformats.org/drawingml/2006/main" xmlns:r="http://schemas.openxmlformats.org/officeDocument/2006/relationships" xmlns:p="http://schemas.openxmlformats.org/presentationml/2006/main">
   <p:cSld>
@@ -18271,19 +19241,19 @@
           <a:p>
             <a:r>
               <a:rPr lang="en-US" noProof="1"/>
-              <a:t>Lockheed Martin</a:t>
+              <a:t>National Cybersecurity Student Association</a:t>
             </a:r>
           </a:p>
           <a:p>
             <a:r>
               <a:rPr lang="en-US" noProof="1"/>
-              <a:t>Hewlett-Packard</a:t>
+              <a:t>IEEE Computer Society</a:t>
             </a:r>
           </a:p>
           <a:p>
             <a:r>
               <a:rPr lang="en-US" noProof="1"/>
-              <a:t>Koch Industries</a:t>
+              <a:t>Information Systems Security Association International</a:t>
             </a:r>
           </a:p>
         </p:txBody>
@@ -18370,6 +19340,504 @@
           <a:p>
             <a:r>
               <a:rPr lang="en-US" dirty="0"/>
+              <a:t>National Cybersecurity Student Association</a:t>
+            </a:r>
+          </a:p>
+        </p:txBody>
+      </p:sp>
+      <p:sp>
+        <p:nvSpPr>
+          <p:cNvPr id="5" name="Content Placeholder 4">
+            <a:extLst>
+              <a:ext uri="{FF2B5EF4-FFF2-40B4-BE49-F238E27FC236}">
+                <a16:creationId xmlns:a16="http://schemas.microsoft.com/office/drawing/2014/main" id="{BE780FC3-EBC9-4538-91F6-C3852A655574}"/>
+              </a:ext>
+            </a:extLst>
+          </p:cNvPr>
+          <p:cNvSpPr>
+            <a:spLocks noGrp="1"/>
+          </p:cNvSpPr>
+          <p:nvPr>
+            <p:ph idx="1"/>
+          </p:nvPr>
+        </p:nvSpPr>
+        <p:spPr>
+          <a:xfrm>
+            <a:off x="5426075" y="3838575"/>
+            <a:ext cx="6369050" cy="2047875"/>
+          </a:xfrm>
+        </p:spPr>
+        <p:txBody>
+          <a:bodyPr>
+            <a:normAutofit/>
+          </a:bodyPr>
+          <a:lstStyle/>
+          <a:p>
+            <a:r>
+              <a:rPr lang="en-US" sz="1800" noProof="1"/>
+              <a:t>Website: www.cyberstudents.org</a:t>
+            </a:r>
+          </a:p>
+          <a:p>
+            <a:r>
+              <a:rPr lang="en-US" sz="1800" noProof="1"/>
+              <a:t>Membership Fee: Free</a:t>
+            </a:r>
+          </a:p>
+          <a:p>
+            <a:r>
+              <a:rPr lang="en-US" sz="1800" noProof="1"/>
+              <a:t>Prerequisites: Be a student pursuing a Cybersecurity career</a:t>
+            </a:r>
+          </a:p>
+        </p:txBody>
+      </p:sp>
+      <p:sp>
+        <p:nvSpPr>
+          <p:cNvPr id="8" name="Slide Number Placeholder 7">
+            <a:extLst>
+              <a:ext uri="{FF2B5EF4-FFF2-40B4-BE49-F238E27FC236}">
+                <a16:creationId xmlns:a16="http://schemas.microsoft.com/office/drawing/2014/main" id="{8E294D89-4B92-4C25-93C3-28017F1DCBE7}"/>
+              </a:ext>
+            </a:extLst>
+          </p:cNvPr>
+          <p:cNvSpPr>
+            <a:spLocks noGrp="1"/>
+          </p:cNvSpPr>
+          <p:nvPr>
+            <p:ph type="sldNum" sz="quarter" idx="12"/>
+          </p:nvPr>
+        </p:nvSpPr>
+        <p:spPr/>
+        <p:txBody>
+          <a:bodyPr/>
+          <a:lstStyle/>
+          <a:p>
+            <a:fld id="{672B7600-67E3-4D97-B453-880E2742B982}" type="slidenum">
+              <a:rPr lang="en-US" smtClean="0"/>
+              <a:t>3</a:t>
+            </a:fld>
+            <a:endParaRPr lang="en-US"/>
+          </a:p>
+        </p:txBody>
+      </p:sp>
+      <p:pic>
+        <p:nvPicPr>
+          <p:cNvPr id="6" name="Graphic 5">
+            <a:extLst>
+              <a:ext uri="{FF2B5EF4-FFF2-40B4-BE49-F238E27FC236}">
+                <a16:creationId xmlns:a16="http://schemas.microsoft.com/office/drawing/2014/main" id="{3CBECC79-E5E4-271E-3EF7-4074C9C2C0EC}"/>
+              </a:ext>
+            </a:extLst>
+          </p:cNvPr>
+          <p:cNvPicPr>
+            <a:picLocks noChangeAspect="1"/>
+          </p:cNvPicPr>
+          <p:nvPr/>
+        </p:nvPicPr>
+        <p:blipFill>
+          <a:blip r:embed="rId3">
+            <a:extLst>
+              <a:ext uri="{96DAC541-7B7A-43D3-8B79-37D633B846F1}">
+                <asvg:svgBlip xmlns:asvg="http://schemas.microsoft.com/office/drawing/2016/SVG/main" r:embed="rId4"/>
+              </a:ext>
+            </a:extLst>
+          </a:blip>
+          <a:stretch>
+            <a:fillRect/>
+          </a:stretch>
+        </p:blipFill>
+        <p:spPr>
+          <a:xfrm>
+            <a:off x="539750" y="2470150"/>
+            <a:ext cx="5473700" cy="1368425"/>
+          </a:xfrm>
+          <a:prstGeom prst="rect">
+            <a:avLst/>
+          </a:prstGeom>
+        </p:spPr>
+      </p:pic>
+    </p:spTree>
+    <p:extLst>
+      <p:ext uri="{BB962C8B-B14F-4D97-AF65-F5344CB8AC3E}">
+        <p14:creationId xmlns:p14="http://schemas.microsoft.com/office/powerpoint/2010/main" val="3970175188"/>
+      </p:ext>
+    </p:extLst>
+  </p:cSld>
+  <p:clrMapOvr>
+    <a:masterClrMapping/>
+  </p:clrMapOvr>
+</p:sld>
+</file>
+
+<file path=ppt/slides/slide4.xml><?xml version="1.0" encoding="utf-8"?>
+<p:sld xmlns:a="http://schemas.openxmlformats.org/drawingml/2006/main" xmlns:r="http://schemas.openxmlformats.org/officeDocument/2006/relationships" xmlns:p="http://schemas.openxmlformats.org/presentationml/2006/main">
+  <p:cSld>
+    <p:spTree>
+      <p:nvGrpSpPr>
+        <p:cNvPr id="1" name=""/>
+        <p:cNvGrpSpPr/>
+        <p:nvPr/>
+      </p:nvGrpSpPr>
+      <p:grpSpPr>
+        <a:xfrm>
+          <a:off x="0" y="0"/>
+          <a:ext cx="0" cy="0"/>
+          <a:chOff x="0" y="0"/>
+          <a:chExt cx="0" cy="0"/>
+        </a:xfrm>
+      </p:grpSpPr>
+      <p:sp>
+        <p:nvSpPr>
+          <p:cNvPr id="4" name="Title 3">
+            <a:extLst>
+              <a:ext uri="{FF2B5EF4-FFF2-40B4-BE49-F238E27FC236}">
+                <a16:creationId xmlns:a16="http://schemas.microsoft.com/office/drawing/2014/main" id="{4349B84D-A234-4296-B4C9-92A57C6D1AFC}"/>
+              </a:ext>
+            </a:extLst>
+          </p:cNvPr>
+          <p:cNvSpPr>
+            <a:spLocks noGrp="1"/>
+          </p:cNvSpPr>
+          <p:nvPr>
+            <p:ph type="title"/>
+          </p:nvPr>
+        </p:nvSpPr>
+        <p:spPr/>
+        <p:txBody>
+          <a:bodyPr/>
+          <a:lstStyle/>
+          <a:p>
+            <a:r>
+              <a:rPr lang="en-US" dirty="0"/>
+              <a:t>IEEE Computer Society</a:t>
+            </a:r>
+          </a:p>
+        </p:txBody>
+      </p:sp>
+      <p:sp>
+        <p:nvSpPr>
+          <p:cNvPr id="5" name="Content Placeholder 4">
+            <a:extLst>
+              <a:ext uri="{FF2B5EF4-FFF2-40B4-BE49-F238E27FC236}">
+                <a16:creationId xmlns:a16="http://schemas.microsoft.com/office/drawing/2014/main" id="{BE780FC3-EBC9-4538-91F6-C3852A655574}"/>
+              </a:ext>
+            </a:extLst>
+          </p:cNvPr>
+          <p:cNvSpPr>
+            <a:spLocks noGrp="1"/>
+          </p:cNvSpPr>
+          <p:nvPr>
+            <p:ph idx="1"/>
+          </p:nvPr>
+        </p:nvSpPr>
+        <p:spPr>
+          <a:xfrm>
+            <a:off x="5162550" y="3603625"/>
+            <a:ext cx="6483350" cy="1889125"/>
+          </a:xfrm>
+        </p:spPr>
+        <p:txBody>
+          <a:bodyPr>
+            <a:normAutofit/>
+          </a:bodyPr>
+          <a:lstStyle/>
+          <a:p>
+            <a:r>
+              <a:rPr lang="en-US" sz="1800" noProof="1"/>
+              <a:t>Website: www.computer.org</a:t>
+            </a:r>
+          </a:p>
+          <a:p>
+            <a:r>
+              <a:rPr lang="en-US" sz="1800" noProof="1"/>
+              <a:t>Membership Fee: $20.00 student or $140.00 general membership or $71.00 Affiliate</a:t>
+            </a:r>
+          </a:p>
+          <a:p>
+            <a:r>
+              <a:rPr lang="en-US" sz="1800" noProof="1"/>
+              <a:t>Prerequisites: none listed</a:t>
+            </a:r>
+          </a:p>
+        </p:txBody>
+      </p:sp>
+      <p:sp>
+        <p:nvSpPr>
+          <p:cNvPr id="8" name="Slide Number Placeholder 7">
+            <a:extLst>
+              <a:ext uri="{FF2B5EF4-FFF2-40B4-BE49-F238E27FC236}">
+                <a16:creationId xmlns:a16="http://schemas.microsoft.com/office/drawing/2014/main" id="{8E294D89-4B92-4C25-93C3-28017F1DCBE7}"/>
+              </a:ext>
+            </a:extLst>
+          </p:cNvPr>
+          <p:cNvSpPr>
+            <a:spLocks noGrp="1"/>
+          </p:cNvSpPr>
+          <p:nvPr>
+            <p:ph type="sldNum" sz="quarter" idx="12"/>
+          </p:nvPr>
+        </p:nvSpPr>
+        <p:spPr/>
+        <p:txBody>
+          <a:bodyPr/>
+          <a:lstStyle/>
+          <a:p>
+            <a:fld id="{672B7600-67E3-4D97-B453-880E2742B982}" type="slidenum">
+              <a:rPr lang="en-US" smtClean="0"/>
+              <a:t>4</a:t>
+            </a:fld>
+            <a:endParaRPr lang="en-US"/>
+          </a:p>
+        </p:txBody>
+      </p:sp>
+      <p:pic>
+        <p:nvPicPr>
+          <p:cNvPr id="3" name="Picture 2" descr="A black background with white text&#10;&#10;Description automatically generated">
+            <a:extLst>
+              <a:ext uri="{FF2B5EF4-FFF2-40B4-BE49-F238E27FC236}">
+                <a16:creationId xmlns:a16="http://schemas.microsoft.com/office/drawing/2014/main" id="{E73E3B05-DE2D-2870-642D-DB9A33584875}"/>
+              </a:ext>
+            </a:extLst>
+          </p:cNvPr>
+          <p:cNvPicPr>
+            <a:picLocks noChangeAspect="1"/>
+          </p:cNvPicPr>
+          <p:nvPr/>
+        </p:nvPicPr>
+        <p:blipFill>
+          <a:blip r:embed="rId3"/>
+          <a:stretch>
+            <a:fillRect/>
+          </a:stretch>
+        </p:blipFill>
+        <p:spPr>
+          <a:xfrm>
+            <a:off x="1326894" y="2743043"/>
+            <a:ext cx="2820794" cy="860581"/>
+          </a:xfrm>
+          <a:prstGeom prst="rect">
+            <a:avLst/>
+          </a:prstGeom>
+        </p:spPr>
+      </p:pic>
+    </p:spTree>
+    <p:extLst>
+      <p:ext uri="{BB962C8B-B14F-4D97-AF65-F5344CB8AC3E}">
+        <p14:creationId xmlns:p14="http://schemas.microsoft.com/office/powerpoint/2010/main" val="1689856274"/>
+      </p:ext>
+    </p:extLst>
+  </p:cSld>
+  <p:clrMapOvr>
+    <a:masterClrMapping/>
+  </p:clrMapOvr>
+</p:sld>
+</file>
+
+<file path=ppt/slides/slide5.xml><?xml version="1.0" encoding="utf-8"?>
+<p:sld xmlns:a="http://schemas.openxmlformats.org/drawingml/2006/main" xmlns:r="http://schemas.openxmlformats.org/officeDocument/2006/relationships" xmlns:p="http://schemas.openxmlformats.org/presentationml/2006/main">
+  <p:cSld>
+    <p:spTree>
+      <p:nvGrpSpPr>
+        <p:cNvPr id="1" name=""/>
+        <p:cNvGrpSpPr/>
+        <p:nvPr/>
+      </p:nvGrpSpPr>
+      <p:grpSpPr>
+        <a:xfrm>
+          <a:off x="0" y="0"/>
+          <a:ext cx="0" cy="0"/>
+          <a:chOff x="0" y="0"/>
+          <a:chExt cx="0" cy="0"/>
+        </a:xfrm>
+      </p:grpSpPr>
+      <p:sp>
+        <p:nvSpPr>
+          <p:cNvPr id="4" name="Title 3">
+            <a:extLst>
+              <a:ext uri="{FF2B5EF4-FFF2-40B4-BE49-F238E27FC236}">
+                <a16:creationId xmlns:a16="http://schemas.microsoft.com/office/drawing/2014/main" id="{4349B84D-A234-4296-B4C9-92A57C6D1AFC}"/>
+              </a:ext>
+            </a:extLst>
+          </p:cNvPr>
+          <p:cNvSpPr>
+            <a:spLocks noGrp="1"/>
+          </p:cNvSpPr>
+          <p:nvPr>
+            <p:ph type="title"/>
+          </p:nvPr>
+        </p:nvSpPr>
+        <p:spPr/>
+        <p:txBody>
+          <a:bodyPr/>
+          <a:lstStyle/>
+          <a:p>
+            <a:r>
+              <a:rPr lang="en-US" dirty="0"/>
+              <a:t>Information Systems Security Association International</a:t>
+            </a:r>
+          </a:p>
+        </p:txBody>
+      </p:sp>
+      <p:sp>
+        <p:nvSpPr>
+          <p:cNvPr id="5" name="Content Placeholder 4">
+            <a:extLst>
+              <a:ext uri="{FF2B5EF4-FFF2-40B4-BE49-F238E27FC236}">
+                <a16:creationId xmlns:a16="http://schemas.microsoft.com/office/drawing/2014/main" id="{BE780FC3-EBC9-4538-91F6-C3852A655574}"/>
+              </a:ext>
+            </a:extLst>
+          </p:cNvPr>
+          <p:cNvSpPr>
+            <a:spLocks noGrp="1"/>
+          </p:cNvSpPr>
+          <p:nvPr>
+            <p:ph idx="1"/>
+          </p:nvPr>
+        </p:nvSpPr>
+        <p:spPr>
+          <a:xfrm>
+            <a:off x="6096000" y="3349625"/>
+            <a:ext cx="5676900" cy="2346325"/>
+          </a:xfrm>
+        </p:spPr>
+        <p:txBody>
+          <a:bodyPr>
+            <a:normAutofit/>
+          </a:bodyPr>
+          <a:lstStyle/>
+          <a:p>
+            <a:r>
+              <a:rPr lang="en-US" sz="1800" noProof="1"/>
+              <a:t>Website: www.issa.org</a:t>
+            </a:r>
+          </a:p>
+          <a:p>
+            <a:r>
+              <a:rPr lang="en-US" sz="1800" noProof="1"/>
+              <a:t>Membership Fee: $30.00 for student $95.00 general</a:t>
+            </a:r>
+          </a:p>
+          <a:p>
+            <a:r>
+              <a:rPr lang="en-US" sz="1800" noProof="1"/>
+              <a:t>Prerequisites: none listed</a:t>
+            </a:r>
+          </a:p>
+        </p:txBody>
+      </p:sp>
+      <p:sp>
+        <p:nvSpPr>
+          <p:cNvPr id="8" name="Slide Number Placeholder 7">
+            <a:extLst>
+              <a:ext uri="{FF2B5EF4-FFF2-40B4-BE49-F238E27FC236}">
+                <a16:creationId xmlns:a16="http://schemas.microsoft.com/office/drawing/2014/main" id="{8E294D89-4B92-4C25-93C3-28017F1DCBE7}"/>
+              </a:ext>
+            </a:extLst>
+          </p:cNvPr>
+          <p:cNvSpPr>
+            <a:spLocks noGrp="1"/>
+          </p:cNvSpPr>
+          <p:nvPr>
+            <p:ph type="sldNum" sz="quarter" idx="12"/>
+          </p:nvPr>
+        </p:nvSpPr>
+        <p:spPr/>
+        <p:txBody>
+          <a:bodyPr/>
+          <a:lstStyle/>
+          <a:p>
+            <a:fld id="{672B7600-67E3-4D97-B453-880E2742B982}" type="slidenum">
+              <a:rPr lang="en-US" smtClean="0"/>
+              <a:t>5</a:t>
+            </a:fld>
+            <a:endParaRPr lang="en-US"/>
+          </a:p>
+        </p:txBody>
+      </p:sp>
+      <p:pic>
+        <p:nvPicPr>
+          <p:cNvPr id="3" name="Picture 2" descr="A logo with text and numbers&#10;&#10;Description automatically generated">
+            <a:extLst>
+              <a:ext uri="{FF2B5EF4-FFF2-40B4-BE49-F238E27FC236}">
+                <a16:creationId xmlns:a16="http://schemas.microsoft.com/office/drawing/2014/main" id="{581CCD41-5025-C95A-D647-454E8E307054}"/>
+              </a:ext>
+            </a:extLst>
+          </p:cNvPr>
+          <p:cNvPicPr>
+            <a:picLocks noChangeAspect="1"/>
+          </p:cNvPicPr>
+          <p:nvPr/>
+        </p:nvPicPr>
+        <p:blipFill>
+          <a:blip r:embed="rId3"/>
+          <a:stretch>
+            <a:fillRect/>
+          </a:stretch>
+        </p:blipFill>
+        <p:spPr>
+          <a:xfrm>
+            <a:off x="1619004" y="2527055"/>
+            <a:ext cx="2159492" cy="2146789"/>
+          </a:xfrm>
+          <a:prstGeom prst="rect">
+            <a:avLst/>
+          </a:prstGeom>
+        </p:spPr>
+      </p:pic>
+    </p:spTree>
+    <p:extLst>
+      <p:ext uri="{BB962C8B-B14F-4D97-AF65-F5344CB8AC3E}">
+        <p14:creationId xmlns:p14="http://schemas.microsoft.com/office/powerpoint/2010/main" val="3705191573"/>
+      </p:ext>
+    </p:extLst>
+  </p:cSld>
+  <p:clrMapOvr>
+    <a:masterClrMapping/>
+  </p:clrMapOvr>
+</p:sld>
+</file>
+
+<file path=ppt/slides/slide6.xml><?xml version="1.0" encoding="utf-8"?>
+<p:sld xmlns:a="http://schemas.openxmlformats.org/drawingml/2006/main" xmlns:r="http://schemas.openxmlformats.org/officeDocument/2006/relationships" xmlns:p="http://schemas.openxmlformats.org/presentationml/2006/main">
+  <p:cSld>
+    <p:spTree>
+      <p:nvGrpSpPr>
+        <p:cNvPr id="1" name=""/>
+        <p:cNvGrpSpPr/>
+        <p:nvPr/>
+      </p:nvGrpSpPr>
+      <p:grpSpPr>
+        <a:xfrm>
+          <a:off x="0" y="0"/>
+          <a:ext cx="0" cy="0"/>
+          <a:chOff x="0" y="0"/>
+          <a:chExt cx="0" cy="0"/>
+        </a:xfrm>
+      </p:grpSpPr>
+      <p:sp>
+        <p:nvSpPr>
+          <p:cNvPr id="4" name="Title 3">
+            <a:extLst>
+              <a:ext uri="{FF2B5EF4-FFF2-40B4-BE49-F238E27FC236}">
+                <a16:creationId xmlns:a16="http://schemas.microsoft.com/office/drawing/2014/main" id="{4349B84D-A234-4296-B4C9-92A57C6D1AFC}"/>
+              </a:ext>
+            </a:extLst>
+          </p:cNvPr>
+          <p:cNvSpPr>
+            <a:spLocks noGrp="1"/>
+          </p:cNvSpPr>
+          <p:nvPr>
+            <p:ph type="title"/>
+          </p:nvPr>
+        </p:nvSpPr>
+        <p:spPr/>
+        <p:txBody>
+          <a:bodyPr/>
+          <a:lstStyle/>
+          <a:p>
+            <a:r>
+              <a:rPr lang="en-US" dirty="0"/>
               <a:t>Volunteer Opportunities</a:t>
             </a:r>
           </a:p>
@@ -18401,7 +19869,7 @@
             </a:pPr>
             <a:r>
               <a:rPr lang="en-US" noProof="1"/>
-              <a:t>Texas Volunteer Incident Response Team’</a:t>
+              <a:t>Texas Volunteer Incident Response Team</a:t>
             </a:r>
           </a:p>
           <a:p>
@@ -18495,7 +19963,7 @@
           <a:p>
             <a:fld id="{672B7600-67E3-4D97-B453-880E2742B982}" type="slidenum">
               <a:rPr lang="en-US" smtClean="0"/>
-              <a:t>3</a:t>
+              <a:t>6</a:t>
             </a:fld>
             <a:endParaRPr lang="en-US"/>
           </a:p>
@@ -18514,7 +19982,7 @@
 </p:sld>
 </file>
 
-<file path=ppt/slides/slide4.xml><?xml version="1.0" encoding="utf-8"?>
+<file path=ppt/slides/slide7.xml><?xml version="1.0" encoding="utf-8"?>
 <p:sld xmlns:a="http://schemas.openxmlformats.org/drawingml/2006/main" xmlns:r="http://schemas.openxmlformats.org/officeDocument/2006/relationships" xmlns:p="http://schemas.openxmlformats.org/presentationml/2006/main">
   <p:cSld>
     <p:spTree>
@@ -18582,13 +20050,25 @@
           <a:p>
             <a:r>
               <a:rPr lang="en-US" noProof="1"/>
-              <a:t>Lorem ipsum dolor sit amet, tollit epicuri est ex, exerci accumsan singulis ei mel. Non blandit massa enim nec dui nunc mattis enim. Fermentum et sollicitudin ac orci phasellus egestas tellus.</a:t>
+              <a:t>Program: Masters of Science in Cybersecurity</a:t>
             </a:r>
           </a:p>
           <a:p>
             <a:r>
               <a:rPr lang="en-US" noProof="1"/>
-              <a:t>Duis aute irure dolor in reprehenderit in voluptate velit esse cillum dolore eu fugiat nulla pariatur. Excepteur sint occaecat cupidatat non proident, sunt in culpa qui officia deserunt mollit anim id est laborum.</a:t>
+              <a:t>School: Grand Canyon University Online</a:t>
+            </a:r>
+          </a:p>
+          <a:p>
+            <a:r>
+              <a:rPr lang="en-US" noProof="1"/>
+              <a:t>Units: 34</a:t>
+            </a:r>
+          </a:p>
+          <a:p>
+            <a:r>
+              <a:rPr lang="en-US" noProof="1"/>
+              <a:t>Length: 76 Weeks</a:t>
             </a:r>
           </a:p>
         </p:txBody>
@@ -18616,7 +20096,7 @@
           <a:p>
             <a:fld id="{672B7600-67E3-4D97-B453-880E2742B982}" type="slidenum">
               <a:rPr lang="en-US" smtClean="0"/>
-              <a:t>4</a:t>
+              <a:t>7</a:t>
             </a:fld>
             <a:endParaRPr lang="en-US"/>
           </a:p>
@@ -18635,7 +20115,7 @@
 </p:sld>
 </file>
 
-<file path=ppt/slides/slide5.xml><?xml version="1.0" encoding="utf-8"?>
+<file path=ppt/slides/slide8.xml><?xml version="1.0" encoding="utf-8"?>
 <p:sld xmlns:a="http://schemas.openxmlformats.org/drawingml/2006/main" xmlns:r="http://schemas.openxmlformats.org/officeDocument/2006/relationships" xmlns:p="http://schemas.openxmlformats.org/presentationml/2006/main">
   <p:cSld>
     <p:spTree>
@@ -18682,40 +20162,6 @@
       </p:sp>
       <p:sp>
         <p:nvSpPr>
-          <p:cNvPr id="5" name="Content Placeholder 4">
-            <a:extLst>
-              <a:ext uri="{FF2B5EF4-FFF2-40B4-BE49-F238E27FC236}">
-                <a16:creationId xmlns:a16="http://schemas.microsoft.com/office/drawing/2014/main" id="{BE780FC3-EBC9-4538-91F6-C3852A655574}"/>
-              </a:ext>
-            </a:extLst>
-          </p:cNvPr>
-          <p:cNvSpPr>
-            <a:spLocks noGrp="1"/>
-          </p:cNvSpPr>
-          <p:nvPr>
-            <p:ph idx="1"/>
-          </p:nvPr>
-        </p:nvSpPr>
-        <p:spPr/>
-        <p:txBody>
-          <a:bodyPr/>
-          <a:lstStyle/>
-          <a:p>
-            <a:r>
-              <a:rPr lang="en-US" noProof="1"/>
-              <a:t>Lorem ipsum dolor sit amet, tollit epicuri est ex, exerci accumsan singulis ei mel. Non blandit massa enim nec dui nunc mattis enim. Fermentum et sollicitudin ac orci phasellus egestas tellus.</a:t>
-            </a:r>
-          </a:p>
-          <a:p>
-            <a:r>
-              <a:rPr lang="en-US" noProof="1"/>
-              <a:t>Duis aute irure dolor in reprehenderit in voluptate velit esse cillum dolore eu fugiat nulla pariatur. Excepteur sint occaecat cupidatat non proident, sunt in culpa qui officia deserunt mollit anim id est laborum.</a:t>
-            </a:r>
-          </a:p>
-        </p:txBody>
-      </p:sp>
-      <p:sp>
-        <p:nvSpPr>
           <p:cNvPr id="2" name="Date Placeholder 1">
             <a:extLst>
               <a:ext uri="{FF2B5EF4-FFF2-40B4-BE49-F238E27FC236}">
@@ -18744,34 +20190,6 @@
       </p:sp>
       <p:sp>
         <p:nvSpPr>
-          <p:cNvPr id="3" name="Footer Placeholder 2">
-            <a:extLst>
-              <a:ext uri="{FF2B5EF4-FFF2-40B4-BE49-F238E27FC236}">
-                <a16:creationId xmlns:a16="http://schemas.microsoft.com/office/drawing/2014/main" id="{E508D2D0-7ED2-46AF-8889-FC3188626EE6}"/>
-              </a:ext>
-            </a:extLst>
-          </p:cNvPr>
-          <p:cNvSpPr>
-            <a:spLocks noGrp="1"/>
-          </p:cNvSpPr>
-          <p:nvPr>
-            <p:ph type="ftr" sz="quarter" idx="11"/>
-          </p:nvPr>
-        </p:nvSpPr>
-        <p:spPr/>
-        <p:txBody>
-          <a:bodyPr/>
-          <a:lstStyle/>
-          <a:p>
-            <a:r>
-              <a:rPr lang="en-US"/>
-              <a:t>Your Footer Here</a:t>
-            </a:r>
-          </a:p>
-        </p:txBody>
-      </p:sp>
-      <p:sp>
-        <p:nvSpPr>
           <p:cNvPr id="6" name="Slide Number Placeholder 5">
             <a:extLst>
               <a:ext uri="{FF2B5EF4-FFF2-40B4-BE49-F238E27FC236}">
@@ -18793,12 +20211,42 @@
           <a:p>
             <a:fld id="{672B7600-67E3-4D97-B453-880E2742B982}" type="slidenum">
               <a:rPr lang="en-US" smtClean="0"/>
-              <a:t>5</a:t>
+              <a:t>8</a:t>
             </a:fld>
             <a:endParaRPr lang="en-US"/>
           </a:p>
         </p:txBody>
       </p:sp>
+      <p:pic>
+        <p:nvPicPr>
+          <p:cNvPr id="8" name="Picture 7">
+            <a:extLst>
+              <a:ext uri="{FF2B5EF4-FFF2-40B4-BE49-F238E27FC236}">
+                <a16:creationId xmlns:a16="http://schemas.microsoft.com/office/drawing/2014/main" id="{64671C50-AEBE-6EBC-58BD-1BBC3097F413}"/>
+              </a:ext>
+            </a:extLst>
+          </p:cNvPr>
+          <p:cNvPicPr>
+            <a:picLocks noChangeAspect="1"/>
+          </p:cNvPicPr>
+          <p:nvPr/>
+        </p:nvPicPr>
+        <p:blipFill>
+          <a:blip r:embed="rId3"/>
+          <a:stretch>
+            <a:fillRect/>
+          </a:stretch>
+        </p:blipFill>
+        <p:spPr>
+          <a:xfrm>
+            <a:off x="3908281" y="1433364"/>
+            <a:ext cx="3387869" cy="5234136"/>
+          </a:xfrm>
+          <a:prstGeom prst="rect">
+            <a:avLst/>
+          </a:prstGeom>
+        </p:spPr>
+      </p:pic>
     </p:spTree>
     <p:extLst>
       <p:ext uri="{BB962C8B-B14F-4D97-AF65-F5344CB8AC3E}">
@@ -18812,7 +20260,7 @@
 </p:sld>
 </file>
 
-<file path=ppt/slides/slide6.xml><?xml version="1.0" encoding="utf-8"?>
+<file path=ppt/slides/slide9.xml><?xml version="1.0" encoding="utf-8"?>
 <p:sld xmlns:a="http://schemas.openxmlformats.org/drawingml/2006/main" xmlns:r="http://schemas.openxmlformats.org/officeDocument/2006/relationships" xmlns:p="http://schemas.openxmlformats.org/presentationml/2006/main">
   <p:cSld>
     <p:spTree>
@@ -18875,18 +20323,63 @@
         </p:nvSpPr>
         <p:spPr/>
         <p:txBody>
-          <a:bodyPr/>
+          <a:bodyPr>
+            <a:normAutofit fontScale="85000" lnSpcReduction="20000"/>
+          </a:bodyPr>
           <a:lstStyle/>
           <a:p>
+            <a:pPr marL="0" indent="0" algn="l">
+              <a:buNone/>
+            </a:pPr>
             <a:r>
-              <a:rPr lang="en-US" noProof="1"/>
-              <a:t>Lorem ipsum dolor sit amet, tollit epicuri est ex, exerci accumsan singulis ei mel. Non blandit massa enim nec dui nunc mattis enim. Fermentum et sollicitudin ac orci phasellus egestas tellus.</a:t>
+              <a:rPr lang="en-US" dirty="0"/>
+              <a:t>GCU’s Master of Science in Cybersecurity can provide advanced, hands-on learning experiences that can prepare you to pursue potentially challenging, high-tech careers. This cybersecurity program imparts the following learning objectives and core competencies:</a:t>
+            </a:r>
+          </a:p>
+          <a:p>
+            <a:pPr algn="l">
+              <a:buFont typeface="Arial" panose="020B0604020202020204" pitchFamily="34" charset="0"/>
+              <a:buChar char="•"/>
+            </a:pPr>
+            <a:r>
+              <a:rPr lang="en-US" dirty="0"/>
+              <a:t>Risk assessment, countermeasures, security policies and frameworks</a:t>
+            </a:r>
+          </a:p>
+          <a:p>
+            <a:pPr algn="l">
+              <a:buFont typeface="Arial" panose="020B0604020202020204" pitchFamily="34" charset="0"/>
+              <a:buChar char="•"/>
+            </a:pPr>
+            <a:r>
+              <a:rPr lang="en-US" dirty="0"/>
+              <a:t>Ideologies of cyber-crime, identification of attack vectors and impact analysis of failed security measures</a:t>
+            </a:r>
+          </a:p>
+          <a:p>
+            <a:pPr algn="l">
+              <a:buFont typeface="Arial" panose="020B0604020202020204" pitchFamily="34" charset="0"/>
+              <a:buChar char="•"/>
+            </a:pPr>
+            <a:r>
+              <a:rPr lang="en-US" dirty="0"/>
+              <a:t>Policy perspectives on security design</a:t>
+            </a:r>
+          </a:p>
+          <a:p>
+            <a:pPr algn="l">
+              <a:buFont typeface="Arial" panose="020B0604020202020204" pitchFamily="34" charset="0"/>
+              <a:buChar char="•"/>
+            </a:pPr>
+            <a:r>
+              <a:rPr lang="en-US" dirty="0"/>
+              <a:t>Protection of intellectual property through encryption, hardware security and layered security defense strategies</a:t>
             </a:r>
           </a:p>
           <a:p>
             <a:r>
               <a:rPr lang="en-US" noProof="1"/>
-              <a:t>Duis aute irure dolor in reprehenderit in voluptate velit esse cillum dolore eu fugiat nulla pariatur. Excepteur sint occaecat cupidatat non proident, sunt in culpa qui officia deserunt mollit anim id est laborum.</a:t>
+              <a:t>.</a:t>
             </a:r>
           </a:p>
         </p:txBody>
@@ -18914,7 +20407,7 @@
           <a:p>
             <a:fld id="{672B7600-67E3-4D97-B453-880E2742B982}" type="slidenum">
               <a:rPr lang="en-US" smtClean="0"/>
-              <a:t>6</a:t>
+              <a:t>9</a:t>
             </a:fld>
             <a:endParaRPr lang="en-US"/>
           </a:p>
@@ -18924,304 +20417,6 @@
     <p:extLst>
       <p:ext uri="{BB962C8B-B14F-4D97-AF65-F5344CB8AC3E}">
         <p14:creationId xmlns:p14="http://schemas.microsoft.com/office/powerpoint/2010/main" val="610934367"/>
-      </p:ext>
-    </p:extLst>
-  </p:cSld>
-  <p:clrMapOvr>
-    <a:masterClrMapping/>
-  </p:clrMapOvr>
-</p:sld>
-</file>
-
-<file path=ppt/slides/slide7.xml><?xml version="1.0" encoding="utf-8"?>
-<p:sld xmlns:a="http://schemas.openxmlformats.org/drawingml/2006/main" xmlns:r="http://schemas.openxmlformats.org/officeDocument/2006/relationships" xmlns:p="http://schemas.openxmlformats.org/presentationml/2006/main">
-  <p:cSld>
-    <p:spTree>
-      <p:nvGrpSpPr>
-        <p:cNvPr id="1" name=""/>
-        <p:cNvGrpSpPr/>
-        <p:nvPr/>
-      </p:nvGrpSpPr>
-      <p:grpSpPr>
-        <a:xfrm>
-          <a:off x="0" y="0"/>
-          <a:ext cx="0" cy="0"/>
-          <a:chOff x="0" y="0"/>
-          <a:chExt cx="0" cy="0"/>
-        </a:xfrm>
-      </p:grpSpPr>
-      <p:sp>
-        <p:nvSpPr>
-          <p:cNvPr id="4" name="Title 3">
-            <a:extLst>
-              <a:ext uri="{FF2B5EF4-FFF2-40B4-BE49-F238E27FC236}">
-                <a16:creationId xmlns:a16="http://schemas.microsoft.com/office/drawing/2014/main" id="{4349B84D-A234-4296-B4C9-92A57C6D1AFC}"/>
-              </a:ext>
-            </a:extLst>
-          </p:cNvPr>
-          <p:cNvSpPr>
-            <a:spLocks noGrp="1"/>
-          </p:cNvSpPr>
-          <p:nvPr>
-            <p:ph type="title"/>
-          </p:nvPr>
-        </p:nvSpPr>
-        <p:spPr/>
-        <p:txBody>
-          <a:bodyPr/>
-          <a:lstStyle/>
-          <a:p>
-            <a:r>
-              <a:rPr lang="en-US" dirty="0"/>
-              <a:t>Skills</a:t>
-            </a:r>
-          </a:p>
-        </p:txBody>
-      </p:sp>
-      <p:sp>
-        <p:nvSpPr>
-          <p:cNvPr id="5" name="Content Placeholder 4">
-            <a:extLst>
-              <a:ext uri="{FF2B5EF4-FFF2-40B4-BE49-F238E27FC236}">
-                <a16:creationId xmlns:a16="http://schemas.microsoft.com/office/drawing/2014/main" id="{BE780FC3-EBC9-4538-91F6-C3852A655574}"/>
-              </a:ext>
-            </a:extLst>
-          </p:cNvPr>
-          <p:cNvSpPr>
-            <a:spLocks noGrp="1"/>
-          </p:cNvSpPr>
-          <p:nvPr>
-            <p:ph idx="1"/>
-          </p:nvPr>
-        </p:nvSpPr>
-        <p:spPr/>
-        <p:txBody>
-          <a:bodyPr/>
-          <a:lstStyle/>
-          <a:p>
-            <a:r>
-              <a:rPr lang="en-US" noProof="1"/>
-              <a:t>Lorem ipsum dolor sit amet, tollit epicuri est ex, exerci accumsan singulis ei mel. Non blandit massa enim nec dui nunc mattis enim. Fermentum et sollicitudin ac orci phasellus egestas tellus.</a:t>
-            </a:r>
-          </a:p>
-          <a:p>
-            <a:r>
-              <a:rPr lang="en-US" noProof="1"/>
-              <a:t>Duis aute irure dolor in reprehenderit in voluptate velit esse cillum dolore eu fugiat nulla pariatur. Excepteur sint occaecat cupidatat non proident, sunt in culpa qui officia deserunt mollit anim id est laborum.</a:t>
-            </a:r>
-          </a:p>
-        </p:txBody>
-      </p:sp>
-      <p:sp>
-        <p:nvSpPr>
-          <p:cNvPr id="2" name="Date Placeholder 1">
-            <a:extLst>
-              <a:ext uri="{FF2B5EF4-FFF2-40B4-BE49-F238E27FC236}">
-                <a16:creationId xmlns:a16="http://schemas.microsoft.com/office/drawing/2014/main" id="{72B2E0B8-7E8C-4D5B-8720-7D6DF5745A86}"/>
-              </a:ext>
-            </a:extLst>
-          </p:cNvPr>
-          <p:cNvSpPr>
-            <a:spLocks noGrp="1"/>
-          </p:cNvSpPr>
-          <p:nvPr>
-            <p:ph type="dt" sz="half" idx="10"/>
-          </p:nvPr>
-        </p:nvSpPr>
-        <p:spPr/>
-        <p:txBody>
-          <a:bodyPr/>
-          <a:lstStyle/>
-          <a:p>
-            <a:r>
-              <a:rPr lang="en-US"/>
-              <a:t>Date</a:t>
-            </a:r>
-          </a:p>
-        </p:txBody>
-      </p:sp>
-      <p:sp>
-        <p:nvSpPr>
-          <p:cNvPr id="3" name="Footer Placeholder 2">
-            <a:extLst>
-              <a:ext uri="{FF2B5EF4-FFF2-40B4-BE49-F238E27FC236}">
-                <a16:creationId xmlns:a16="http://schemas.microsoft.com/office/drawing/2014/main" id="{E508D2D0-7ED2-46AF-8889-FC3188626EE6}"/>
-              </a:ext>
-            </a:extLst>
-          </p:cNvPr>
-          <p:cNvSpPr>
-            <a:spLocks noGrp="1"/>
-          </p:cNvSpPr>
-          <p:nvPr>
-            <p:ph type="ftr" sz="quarter" idx="11"/>
-          </p:nvPr>
-        </p:nvSpPr>
-        <p:spPr/>
-        <p:txBody>
-          <a:bodyPr/>
-          <a:lstStyle/>
-          <a:p>
-            <a:r>
-              <a:rPr lang="en-US"/>
-              <a:t>Your Footer Here</a:t>
-            </a:r>
-          </a:p>
-        </p:txBody>
-      </p:sp>
-      <p:sp>
-        <p:nvSpPr>
-          <p:cNvPr id="6" name="Slide Number Placeholder 5">
-            <a:extLst>
-              <a:ext uri="{FF2B5EF4-FFF2-40B4-BE49-F238E27FC236}">
-                <a16:creationId xmlns:a16="http://schemas.microsoft.com/office/drawing/2014/main" id="{7E492738-5ABF-4B0E-8DE3-867BE4D42FC5}"/>
-              </a:ext>
-            </a:extLst>
-          </p:cNvPr>
-          <p:cNvSpPr>
-            <a:spLocks noGrp="1"/>
-          </p:cNvSpPr>
-          <p:nvPr>
-            <p:ph type="sldNum" sz="quarter" idx="12"/>
-          </p:nvPr>
-        </p:nvSpPr>
-        <p:spPr/>
-        <p:txBody>
-          <a:bodyPr/>
-          <a:lstStyle/>
-          <a:p>
-            <a:fld id="{672B7600-67E3-4D97-B453-880E2742B982}" type="slidenum">
-              <a:rPr lang="en-US" smtClean="0"/>
-              <a:t>7</a:t>
-            </a:fld>
-            <a:endParaRPr lang="en-US"/>
-          </a:p>
-        </p:txBody>
-      </p:sp>
-    </p:spTree>
-    <p:extLst>
-      <p:ext uri="{BB962C8B-B14F-4D97-AF65-F5344CB8AC3E}">
-        <p14:creationId xmlns:p14="http://schemas.microsoft.com/office/powerpoint/2010/main" val="2691511167"/>
-      </p:ext>
-    </p:extLst>
-  </p:cSld>
-  <p:clrMapOvr>
-    <a:masterClrMapping/>
-  </p:clrMapOvr>
-</p:sld>
-</file>
-
-<file path=ppt/slides/slide8.xml><?xml version="1.0" encoding="utf-8"?>
-<p:sld xmlns:a="http://schemas.openxmlformats.org/drawingml/2006/main" xmlns:r="http://schemas.openxmlformats.org/officeDocument/2006/relationships" xmlns:p="http://schemas.openxmlformats.org/presentationml/2006/main">
-  <p:cSld>
-    <p:spTree>
-      <p:nvGrpSpPr>
-        <p:cNvPr id="1" name=""/>
-        <p:cNvGrpSpPr/>
-        <p:nvPr/>
-      </p:nvGrpSpPr>
-      <p:grpSpPr>
-        <a:xfrm>
-          <a:off x="0" y="0"/>
-          <a:ext cx="0" cy="0"/>
-          <a:chOff x="0" y="0"/>
-          <a:chExt cx="0" cy="0"/>
-        </a:xfrm>
-      </p:grpSpPr>
-      <p:sp>
-        <p:nvSpPr>
-          <p:cNvPr id="4" name="Title 3">
-            <a:extLst>
-              <a:ext uri="{FF2B5EF4-FFF2-40B4-BE49-F238E27FC236}">
-                <a16:creationId xmlns:a16="http://schemas.microsoft.com/office/drawing/2014/main" id="{4349B84D-A234-4296-B4C9-92A57C6D1AFC}"/>
-              </a:ext>
-            </a:extLst>
-          </p:cNvPr>
-          <p:cNvSpPr>
-            <a:spLocks noGrp="1"/>
-          </p:cNvSpPr>
-          <p:nvPr>
-            <p:ph type="title"/>
-          </p:nvPr>
-        </p:nvSpPr>
-        <p:spPr/>
-        <p:txBody>
-          <a:bodyPr/>
-          <a:lstStyle/>
-          <a:p>
-            <a:r>
-              <a:rPr lang="en-US" dirty="0"/>
-              <a:t>Networking/Mentoring</a:t>
-            </a:r>
-          </a:p>
-        </p:txBody>
-      </p:sp>
-      <p:sp>
-        <p:nvSpPr>
-          <p:cNvPr id="5" name="Content Placeholder 4">
-            <a:extLst>
-              <a:ext uri="{FF2B5EF4-FFF2-40B4-BE49-F238E27FC236}">
-                <a16:creationId xmlns:a16="http://schemas.microsoft.com/office/drawing/2014/main" id="{BE780FC3-EBC9-4538-91F6-C3852A655574}"/>
-              </a:ext>
-            </a:extLst>
-          </p:cNvPr>
-          <p:cNvSpPr>
-            <a:spLocks noGrp="1"/>
-          </p:cNvSpPr>
-          <p:nvPr>
-            <p:ph idx="1"/>
-          </p:nvPr>
-        </p:nvSpPr>
-        <p:spPr/>
-        <p:txBody>
-          <a:bodyPr/>
-          <a:lstStyle/>
-          <a:p>
-            <a:r>
-              <a:rPr lang="en-US" noProof="1"/>
-              <a:t>Lorem ipsum dolor sit amet, tollit epicuri est ex, exerci accumsan singulis ei mel. Non blandit massa enim nec dui nunc mattis enim. Fermentum et sollicitudin ac orci phasellus egestas tellus.</a:t>
-            </a:r>
-          </a:p>
-          <a:p>
-            <a:r>
-              <a:rPr lang="en-US" noProof="1"/>
-              <a:t>Duis aute irure dolor in reprehenderit in voluptate velit esse cillum dolore eu fugiat nulla pariatur. Excepteur sint occaecat cupidatat non proident, sunt in culpa qui officia deserunt mollit anim id est laborum.</a:t>
-            </a:r>
-          </a:p>
-        </p:txBody>
-      </p:sp>
-      <p:sp>
-        <p:nvSpPr>
-          <p:cNvPr id="8" name="Slide Number Placeholder 7">
-            <a:extLst>
-              <a:ext uri="{FF2B5EF4-FFF2-40B4-BE49-F238E27FC236}">
-                <a16:creationId xmlns:a16="http://schemas.microsoft.com/office/drawing/2014/main" id="{8E294D89-4B92-4C25-93C3-28017F1DCBE7}"/>
-              </a:ext>
-            </a:extLst>
-          </p:cNvPr>
-          <p:cNvSpPr>
-            <a:spLocks noGrp="1"/>
-          </p:cNvSpPr>
-          <p:nvPr>
-            <p:ph type="sldNum" sz="quarter" idx="12"/>
-          </p:nvPr>
-        </p:nvSpPr>
-        <p:spPr/>
-        <p:txBody>
-          <a:bodyPr/>
-          <a:lstStyle/>
-          <a:p>
-            <a:fld id="{672B7600-67E3-4D97-B453-880E2742B982}" type="slidenum">
-              <a:rPr lang="en-US" smtClean="0"/>
-              <a:t>8</a:t>
-            </a:fld>
-            <a:endParaRPr lang="en-US"/>
-          </a:p>
-        </p:txBody>
-      </p:sp>
-    </p:spTree>
-    <p:extLst>
-      <p:ext uri="{BB962C8B-B14F-4D97-AF65-F5344CB8AC3E}">
-        <p14:creationId xmlns:p14="http://schemas.microsoft.com/office/powerpoint/2010/main" val="2590065482"/>
       </p:ext>
     </p:extLst>
   </p:cSld>

--- a/UNV 507/Topic 4/CareerPathPresentation RCoon.pptx
+++ b/UNV 507/Topic 4/CareerPathPresentation RCoon.pptx
@@ -208,7 +208,7 @@
           <a:p>
             <a:fld id="{7BF5E78B-FE7C-474B-AC91-ABC1B62969E2}" type="datetimeFigureOut">
               <a:rPr lang="en-US" smtClean="0"/>
-              <a:t>7/16/2024</a:t>
+              <a:t>7/17/2024</a:t>
             </a:fld>
             <a:endParaRPr lang="en-US"/>
           </a:p>
@@ -20324,7 +20324,7 @@
         <p:spPr/>
         <p:txBody>
           <a:bodyPr>
-            <a:normAutofit fontScale="85000" lnSpcReduction="20000"/>
+            <a:normAutofit fontScale="92500" lnSpcReduction="20000"/>
           </a:bodyPr>
           <a:lstStyle/>
           <a:p>
@@ -20377,10 +20377,10 @@
             </a:r>
           </a:p>
           <a:p>
-            <a:r>
-              <a:rPr lang="en-US" noProof="1"/>
-              <a:t>.</a:t>
-            </a:r>
+            <a:pPr marL="0" indent="0">
+              <a:buNone/>
+            </a:pPr>
+            <a:endParaRPr lang="en-US" noProof="1"/>
           </a:p>
         </p:txBody>
       </p:sp>
